--- a/11_04_2024/Lezione_11_04_2024.pptx
+++ b/11_04_2024/Lezione_11_04_2024.pptx
@@ -202,7 +202,7 @@
           <a:p>
             <a:fld id="{8746CD1B-956B-4764-BBED-3BC68BE06997}" type="datetimeFigureOut">
               <a:rPr lang="it-IT" smtClean="0"/>
-              <a:t>10/04/2024</a:t>
+              <a:t>11/04/2024</a:t>
             </a:fld>
             <a:endParaRPr lang="it-IT"/>
           </a:p>
@@ -2651,8 +2651,8 @@
         </p:nvSpPr>
         <p:spPr>
           <a:xfrm>
-            <a:off x="774441" y="2397948"/>
-            <a:ext cx="10643118" cy="2062103"/>
+            <a:off x="774441" y="2890391"/>
+            <a:ext cx="10643118" cy="1077218"/>
           </a:xfrm>
           <a:prstGeom prst="rect">
             <a:avLst/>
@@ -2668,7 +2668,7 @@
             <a:pPr algn="just"/>
             <a:r>
               <a:rPr lang="it-IT" sz="3200" dirty="0"/>
-              <a:t>Scrivere un programma che acquisisca da tastiera un numero intero assicurandosi che sia positivo e, successivamente, stampi a video i 5 anni bisestili strettamente superiori al numero acquisito.</a:t>
+              <a:t>Calcolare la somma dei primi N numeri interi positivi usando un ciclo while. L'utente deve inserire il valore di N.</a:t>
             </a:r>
           </a:p>
         </p:txBody>
